--- a/Presentacion_Pronostico_Financiero.pptx
+++ b/Presentacion_Pronostico_Financiero.pptx
@@ -6392,6 +6392,13 @@
             <a:tailEnd/>
           </a:ln>
         </p:spPr>
+        <p:txBody>
+          <a:bodyPr/>
+          <a:lstStyle/>
+          <a:p>
+            <a:endParaRPr lang="es-MX"/>
+          </a:p>
+        </p:txBody>
       </p:sp>
       <p:sp>
         <p:nvSpPr>
@@ -6430,6 +6437,13 @@
             <a:schemeClr val="lt1"/>
           </a:fontRef>
         </p:style>
+        <p:txBody>
+          <a:bodyPr/>
+          <a:lstStyle/>
+          <a:p>
+            <a:endParaRPr lang="es-MX"/>
+          </a:p>
+        </p:txBody>
       </p:sp>
     </p:spTree>
     <p:extLst>
